--- a/Apresentacao.pptx
+++ b/Apresentacao.pptx
@@ -272,7 +272,7 @@
       </p15:sldGuideLst>
     </p:ext>
     <p:ext uri="GoogleSlidesCustomDataVersion2">
-      <go:slidesCustomData xmlns="" xmlns:mc="http://schemas.openxmlformats.org/markup-compatibility/2006" xmlns:mv="urn:schemas-microsoft-com:mac:vml" xmlns:c="http://schemas.openxmlformats.org/drawingml/2006/chart" xmlns:dgm="http://schemas.openxmlformats.org/drawingml/2006/diagram" xmlns:o="urn:schemas-microsoft-com:office:office" xmlns:v="urn:schemas-microsoft-com:vml" xmlns:pvml="urn:schemas-microsoft-com:office:powerpoint" xmlns:com="http://schemas.openxmlformats.org/drawingml/2006/compatibility" xmlns:p14="http://schemas.microsoft.com/office/powerpoint/2010/main" xmlns:p15="http://schemas.microsoft.com/office/powerpoint/2012/main" xmlns:ahyp="http://schemas.microsoft.com/office/drawing/2018/hyperlinkcolor" xmlns:go="http://customooxmlschemas.google.com/" r:id="rId31" roundtripDataSignature="AMtx7mhfGd3lgDcGWtnggGctm+fmrPxfng=="/>
+      <go:slidesCustomData xmlns:go="http://customooxmlschemas.google.com/" xmlns:ahyp="http://schemas.microsoft.com/office/drawing/2018/hyperlinkcolor" xmlns:p15="http://schemas.microsoft.com/office/powerpoint/2012/main" xmlns:p14="http://schemas.microsoft.com/office/powerpoint/2010/main" xmlns:com="http://schemas.openxmlformats.org/drawingml/2006/compatibility" xmlns:pvml="urn:schemas-microsoft-com:office:powerpoint" xmlns:v="urn:schemas-microsoft-com:vml" xmlns:o="urn:schemas-microsoft-com:office:office" xmlns:dgm="http://schemas.openxmlformats.org/drawingml/2006/diagram" xmlns:c="http://schemas.openxmlformats.org/drawingml/2006/chart" xmlns:mv="urn:schemas-microsoft-com:mac:vml" xmlns:mc="http://schemas.openxmlformats.org/markup-compatibility/2006" xmlns="" r:id="rId31" roundtripDataSignature="AMtx7mhfGd3lgDcGWtnggGctm+fmrPxfng=="/>
     </p:ext>
   </p:extLst>
 </p:presentation>
@@ -17436,10 +17436,10 @@
       </p:sp>
       <p:pic>
         <p:nvPicPr>
-          <p:cNvPr id="8" name="Imagem 7">
+          <p:cNvPr id="7" name="Imagem 6">
             <a:extLst>
               <a:ext uri="{FF2B5EF4-FFF2-40B4-BE49-F238E27FC236}">
-                <a16:creationId xmlns:a16="http://schemas.microsoft.com/office/drawing/2014/main" id="{A3FB742A-695D-9697-3D34-F17F778FA792}"/>
+                <a16:creationId xmlns:a16="http://schemas.microsoft.com/office/drawing/2014/main" id="{0A2FD2B1-3144-848A-85B5-E1F53CBACB49}"/>
               </a:ext>
             </a:extLst>
           </p:cNvPr>
@@ -17456,25 +17456,20 @@
         </p:blipFill>
         <p:spPr>
           <a:xfrm>
-            <a:off x="1720274" y="1963460"/>
-            <a:ext cx="5152013" cy="1214847"/>
+            <a:off x="1810736" y="2180381"/>
+            <a:ext cx="5226557" cy="1124171"/>
           </a:xfrm>
           <a:prstGeom prst="rect">
             <a:avLst/>
           </a:prstGeom>
-          <a:ln>
-            <a:solidFill>
-              <a:schemeClr val="tx1"/>
-            </a:solidFill>
-          </a:ln>
         </p:spPr>
       </p:pic>
       <p:pic>
         <p:nvPicPr>
-          <p:cNvPr id="14" name="Imagem 13">
+          <p:cNvPr id="15" name="Imagem 14">
             <a:extLst>
               <a:ext uri="{FF2B5EF4-FFF2-40B4-BE49-F238E27FC236}">
-                <a16:creationId xmlns:a16="http://schemas.microsoft.com/office/drawing/2014/main" id="{34EACBA2-EDA5-195F-F092-FF3653341C58}"/>
+                <a16:creationId xmlns:a16="http://schemas.microsoft.com/office/drawing/2014/main" id="{292EB697-725C-8837-800B-1B3118E287FD}"/>
               </a:ext>
             </a:extLst>
           </p:cNvPr>
@@ -17491,25 +17486,20 @@
         </p:blipFill>
         <p:spPr>
           <a:xfrm>
-            <a:off x="1720275" y="3242319"/>
-            <a:ext cx="6783820" cy="1557235"/>
+            <a:off x="1810736" y="3340412"/>
+            <a:ext cx="6461113" cy="1464736"/>
           </a:xfrm>
           <a:prstGeom prst="rect">
             <a:avLst/>
           </a:prstGeom>
-          <a:ln>
-            <a:solidFill>
-              <a:schemeClr val="tx1"/>
-            </a:solidFill>
-          </a:ln>
         </p:spPr>
       </p:pic>
       <p:pic>
         <p:nvPicPr>
-          <p:cNvPr id="16" name="Imagem 15">
+          <p:cNvPr id="18" name="Imagem 17">
             <a:extLst>
               <a:ext uri="{FF2B5EF4-FFF2-40B4-BE49-F238E27FC236}">
-                <a16:creationId xmlns:a16="http://schemas.microsoft.com/office/drawing/2014/main" id="{9353B063-3895-9708-86C5-24E6F344909C}"/>
+                <a16:creationId xmlns:a16="http://schemas.microsoft.com/office/drawing/2014/main" id="{D3796D8C-129F-6F43-D789-55D95C114EA5}"/>
               </a:ext>
             </a:extLst>
           </p:cNvPr>
@@ -17526,8 +17516,8 @@
         </p:blipFill>
         <p:spPr>
           <a:xfrm>
-            <a:off x="1720275" y="4863566"/>
-            <a:ext cx="6346682" cy="1553752"/>
+            <a:off x="1810736" y="4823078"/>
+            <a:ext cx="6825836" cy="1536475"/>
           </a:xfrm>
           <a:prstGeom prst="rect">
             <a:avLst/>
@@ -17677,10 +17667,10 @@
       </p:sp>
       <p:pic>
         <p:nvPicPr>
-          <p:cNvPr id="3" name="Imagem 2">
+          <p:cNvPr id="4" name="Imagem 3">
             <a:extLst>
               <a:ext uri="{FF2B5EF4-FFF2-40B4-BE49-F238E27FC236}">
-                <a16:creationId xmlns:a16="http://schemas.microsoft.com/office/drawing/2014/main" id="{62A2B223-FF13-D7E1-EE87-F8C3893EE707}"/>
+                <a16:creationId xmlns:a16="http://schemas.microsoft.com/office/drawing/2014/main" id="{EF9C73CE-0173-C0E0-C906-F3E1CF8F880D}"/>
               </a:ext>
             </a:extLst>
           </p:cNvPr>
@@ -17697,8 +17687,8 @@
         </p:blipFill>
         <p:spPr>
           <a:xfrm>
-            <a:off x="1162175" y="2591251"/>
-            <a:ext cx="10124825" cy="3048245"/>
+            <a:off x="1175511" y="2706265"/>
+            <a:ext cx="9840977" cy="2861218"/>
           </a:xfrm>
           <a:prstGeom prst="rect">
             <a:avLst/>
@@ -18248,10 +18238,10 @@
       </p:sp>
       <p:pic>
         <p:nvPicPr>
-          <p:cNvPr id="4" name="Imagem 3">
+          <p:cNvPr id="3" name="Imagem 2">
             <a:extLst>
               <a:ext uri="{FF2B5EF4-FFF2-40B4-BE49-F238E27FC236}">
-                <a16:creationId xmlns:a16="http://schemas.microsoft.com/office/drawing/2014/main" id="{794CF20E-F828-A071-17B1-B54EFDC480E5}"/>
+                <a16:creationId xmlns:a16="http://schemas.microsoft.com/office/drawing/2014/main" id="{AA2598C6-38FA-F623-0338-E12C8453C903}"/>
               </a:ext>
             </a:extLst>
           </p:cNvPr>
@@ -18268,8 +18258,8 @@
         </p:blipFill>
         <p:spPr>
           <a:xfrm>
-            <a:off x="1015706" y="2473910"/>
-            <a:ext cx="10217739" cy="3411515"/>
+            <a:off x="1135867" y="2068699"/>
+            <a:ext cx="9920266" cy="3816726"/>
           </a:xfrm>
           <a:prstGeom prst="rect">
             <a:avLst/>
